--- a/mid-term presentation.pptx
+++ b/mid-term presentation.pptx
@@ -2492,8 +2492,12 @@
           </a:lstStyle>
           <a:p>
             <a:r>
+              <a:rPr lang="en-US" smtClean="0"/>
+              <a:t>Implemented </a:t>
+            </a:r>
+            <a:r>
               <a:rPr lang="en-US" dirty="0"/>
-              <a:t>•Implemented filtering of mail based on sensitive content, and if a mail contains sensitive content then the mail is marked as flagged and logs of such mail are maintained for administration purposes</a:t>
+              <a:t>filtering of mail based on sensitive content, and if a mail contains sensitive content then the mail is marked as flagged and logs of such mail are maintained for administration purposes</a:t>
             </a:r>
             <a:r>
               <a:rPr lang="en-US" dirty="0" smtClean="0"/>
@@ -2718,14 +2722,7 @@
                 <a:latin typeface="Times New Roman" pitchFamily="18" charset="0"/>
                 <a:cs typeface="Times New Roman" pitchFamily="18" charset="0"/>
               </a:rPr>
-              <a:t>The resource files </a:t>
-            </a:r>
-            <a:r>
-              <a:rPr lang="en-US" sz="2000" dirty="0" smtClean="0">
-                <a:latin typeface="Times New Roman" pitchFamily="18" charset="0"/>
-                <a:cs typeface="Times New Roman" pitchFamily="18" charset="0"/>
-              </a:rPr>
-              <a:t>are needed to be maintained and updated by the organization on regular intervals.</a:t>
+              <a:t>The resource files are needed to be maintained and updated by the organization on regular intervals.</a:t>
             </a:r>
           </a:p>
           <a:p>
@@ -2823,7 +2820,25 @@
           <a:p>
             <a:r>
               <a:rPr lang="en-US" sz="2200" dirty="0" smtClean="0"/>
-              <a:t>Scimail is the name which we have given to our scripted package , which when executed performs all the tasks in the defined order i.e. from sending of mail to making logs of flagged mails.</a:t>
+              <a:t>Scimail is the name which we have given to our scripted package , which when executed </a:t>
+            </a:r>
+            <a:r>
+              <a:rPr lang="en-US" sz="2200" dirty="0" smtClean="0"/>
+              <a:t>performs various code such as java AWT code for UI interface and C code </a:t>
+            </a:r>
+            <a:r>
+              <a:rPr lang="en-US" sz="2200" dirty="0" smtClean="0"/>
+              <a:t>providing functionality </a:t>
+            </a:r>
+            <a:r>
+              <a:rPr lang="en-US" sz="2200" dirty="0" smtClean="0"/>
+              <a:t>for filtering of mail based on sensitive content, and thus makes it all possible by running just one command in the shell.</a:t>
+            </a:r>
+          </a:p>
+          <a:p>
+            <a:r>
+              <a:rPr lang="en-US" sz="2200" dirty="0" smtClean="0"/>
+              <a:t>The codes executed after running this shell command also sends mail using postfix and in the backend filtering is performed on the sent mail and so the backup of flagged mails (i.e. mails with sensitive content) is maintained.</a:t>
             </a:r>
             <a:endParaRPr lang="en-IN" sz="2200" dirty="0"/>
           </a:p>
